--- a/progress/wakate2017_lt.pptx
+++ b/progress/wakate2017_lt.pptx
@@ -208,7 +208,7 @@
           <a:p>
             <a:fld id="{8316F69A-FE15-504E-A6B9-462D9ECA45C7}" type="datetimeFigureOut">
               <a:rPr lang="en-US" smtClean="0"/>
-              <a:t>10/2/17</a:t>
+              <a:t>10/30/17</a:t>
             </a:fld>
             <a:endParaRPr lang="en-US"/>
           </a:p>
@@ -1482,7 +1482,7 @@
             <a:fld id="{B61BEF0D-F0BB-DE4B-95CE-6DB70DBA9567}" type="datetimeFigureOut">
               <a:rPr lang="en-US" smtClean="0"/>
               <a:pPr/>
-              <a:t>10/2/17</a:t>
+              <a:t>10/30/17</a:t>
             </a:fld>
             <a:endParaRPr lang="en-US" dirty="0"/>
           </a:p>
@@ -1730,7 +1730,7 @@
             <a:fld id="{B61BEF0D-F0BB-DE4B-95CE-6DB70DBA9567}" type="datetimeFigureOut">
               <a:rPr lang="en-US" smtClean="0"/>
               <a:pPr/>
-              <a:t>10/2/17</a:t>
+              <a:t>10/30/17</a:t>
             </a:fld>
             <a:endParaRPr lang="en-US" dirty="0"/>
           </a:p>
@@ -2041,7 +2041,7 @@
             <a:fld id="{B61BEF0D-F0BB-DE4B-95CE-6DB70DBA9567}" type="datetimeFigureOut">
               <a:rPr lang="en-US" smtClean="0"/>
               <a:pPr/>
-              <a:t>10/2/17</a:t>
+              <a:t>10/30/17</a:t>
             </a:fld>
             <a:endParaRPr lang="en-US" dirty="0"/>
           </a:p>
@@ -2371,7 +2371,7 @@
             <a:fld id="{B61BEF0D-F0BB-DE4B-95CE-6DB70DBA9567}" type="datetimeFigureOut">
               <a:rPr lang="en-US" smtClean="0"/>
               <a:pPr/>
-              <a:t>10/2/17</a:t>
+              <a:t>10/30/17</a:t>
             </a:fld>
             <a:endParaRPr lang="en-US" dirty="0"/>
           </a:p>
@@ -2682,7 +2682,7 @@
             <a:fld id="{B61BEF0D-F0BB-DE4B-95CE-6DB70DBA9567}" type="datetimeFigureOut">
               <a:rPr lang="en-US" smtClean="0"/>
               <a:pPr/>
-              <a:t>10/2/17</a:t>
+              <a:t>10/30/17</a:t>
             </a:fld>
             <a:endParaRPr lang="en-US" dirty="0"/>
           </a:p>
@@ -3072,7 +3072,7 @@
             <a:fld id="{B61BEF0D-F0BB-DE4B-95CE-6DB70DBA9567}" type="datetimeFigureOut">
               <a:rPr lang="en-US" smtClean="0"/>
               <a:pPr/>
-              <a:t>10/2/17</a:t>
+              <a:t>10/30/17</a:t>
             </a:fld>
             <a:endParaRPr lang="en-US" dirty="0"/>
           </a:p>
@@ -3238,7 +3238,7 @@
           <a:p>
             <a:fld id="{55C6B4A9-1611-4792-9094-5F34BCA07E0B}" type="datetimeFigureOut">
               <a:rPr lang="en-US" smtClean="0"/>
-              <a:t>10/2/17</a:t>
+              <a:t>10/30/17</a:t>
             </a:fld>
             <a:endParaRPr lang="en-US" dirty="0"/>
           </a:p>
@@ -3414,7 +3414,7 @@
             <a:fld id="{B61BEF0D-F0BB-DE4B-95CE-6DB70DBA9567}" type="datetimeFigureOut">
               <a:rPr lang="en-US" smtClean="0"/>
               <a:pPr/>
-              <a:t>10/2/17</a:t>
+              <a:t>10/30/17</a:t>
             </a:fld>
             <a:endParaRPr lang="en-US" dirty="0"/>
           </a:p>
@@ -3587,7 +3587,7 @@
             <a:fld id="{B61BEF0D-F0BB-DE4B-95CE-6DB70DBA9567}" type="datetimeFigureOut">
               <a:rPr lang="en-US" smtClean="0"/>
               <a:pPr/>
-              <a:t>10/2/17</a:t>
+              <a:t>10/30/17</a:t>
             </a:fld>
             <a:endParaRPr lang="en-US" dirty="0"/>
           </a:p>
@@ -3831,7 +3831,7 @@
             <a:fld id="{B61BEF0D-F0BB-DE4B-95CE-6DB70DBA9567}" type="datetimeFigureOut">
               <a:rPr lang="en-US" smtClean="0"/>
               <a:pPr/>
-              <a:t>10/2/17</a:t>
+              <a:t>10/30/17</a:t>
             </a:fld>
             <a:endParaRPr lang="en-US" dirty="0"/>
           </a:p>
@@ -4124,7 +4124,7 @@
           <a:p>
             <a:fld id="{EB712588-04B1-427B-82EE-E8DB90309F08}" type="datetimeFigureOut">
               <a:rPr lang="en-US" smtClean="0"/>
-              <a:t>10/2/17</a:t>
+              <a:t>10/30/17</a:t>
             </a:fld>
             <a:endParaRPr lang="en-US" dirty="0"/>
           </a:p>
@@ -4499,7 +4499,7 @@
             <a:fld id="{B61BEF0D-F0BB-DE4B-95CE-6DB70DBA9567}" type="datetimeFigureOut">
               <a:rPr lang="en-US" smtClean="0"/>
               <a:pPr/>
-              <a:t>10/2/17</a:t>
+              <a:t>10/30/17</a:t>
             </a:fld>
             <a:endParaRPr lang="en-US" dirty="0"/>
           </a:p>
@@ -4619,7 +4619,7 @@
             <a:fld id="{B61BEF0D-F0BB-DE4B-95CE-6DB70DBA9567}" type="datetimeFigureOut">
               <a:rPr lang="en-US" smtClean="0"/>
               <a:pPr/>
-              <a:t>10/2/17</a:t>
+              <a:t>10/30/17</a:t>
             </a:fld>
             <a:endParaRPr lang="en-US" dirty="0"/>
           </a:p>
@@ -4711,7 +4711,7 @@
             <a:fld id="{B61BEF0D-F0BB-DE4B-95CE-6DB70DBA9567}" type="datetimeFigureOut">
               <a:rPr lang="en-US" smtClean="0"/>
               <a:pPr/>
-              <a:t>10/2/17</a:t>
+              <a:t>10/30/17</a:t>
             </a:fld>
             <a:endParaRPr lang="en-US" dirty="0"/>
           </a:p>
@@ -4962,7 +4962,7 @@
           <a:p>
             <a:fld id="{42A54C80-263E-416B-A8E0-580EDEADCBDC}" type="datetimeFigureOut">
               <a:rPr lang="en-US" smtClean="0"/>
-              <a:t>10/2/17</a:t>
+              <a:t>10/30/17</a:t>
             </a:fld>
             <a:endParaRPr lang="en-US" dirty="0"/>
           </a:p>
@@ -5221,7 +5221,7 @@
             <a:fld id="{B61BEF0D-F0BB-DE4B-95CE-6DB70DBA9567}" type="datetimeFigureOut">
               <a:rPr lang="en-US" smtClean="0"/>
               <a:pPr/>
-              <a:t>10/2/17</a:t>
+              <a:t>10/30/17</a:t>
             </a:fld>
             <a:endParaRPr lang="en-US" dirty="0"/>
           </a:p>
@@ -6033,7 +6033,7 @@
             <a:fld id="{B61BEF0D-F0BB-DE4B-95CE-6DB70DBA9567}" type="datetimeFigureOut">
               <a:rPr lang="en-US" smtClean="0"/>
               <a:pPr/>
-              <a:t>10/2/17</a:t>
+              <a:t>10/30/17</a:t>
             </a:fld>
             <a:endParaRPr lang="en-US" dirty="0"/>
           </a:p>
@@ -7726,15 +7726,7 @@
             </a:r>
             <a:r>
               <a:rPr lang="ja-JP" altLang="en-US" sz="2000" b="1" u="sng" dirty="0" smtClean="0"/>
-              <a:t>今田</a:t>
-            </a:r>
-            <a:r>
-              <a:rPr lang="ja-JP" altLang="en-US" sz="2000" b="1" u="sng" dirty="0" smtClean="0"/>
-              <a:t>雄</a:t>
-            </a:r>
-            <a:r>
-              <a:rPr lang="ja-JP" altLang="en-US" sz="2000" b="1" u="sng" dirty="0" smtClean="0"/>
-              <a:t>太郎</a:t>
+              <a:t>今田雄太郎</a:t>
             </a:r>
             <a:r>
               <a:rPr lang="en-US" altLang="ja-JP" sz="2000" b="1" dirty="0" smtClean="0"/>
